--- a/documentation/Funktionalitäten.pptx
+++ b/documentation/Funktionalitäten.pptx
@@ -3991,7 +3991,7 @@
               </a:defRPr>
             </a:pPr>
             <a:r>
-              <a:t>Click auf Institut =&gt; zeigt Professuren an, oder Arbeitsthemen, wo diese nicht in Professur unterkategorisiert sind</a:t>
+              <a:t>Klick auf Institut =&gt; zeigt Professuren an, oder Arbeitsthemen, wenn diese nicht in Professur unterkategorisiert sind</a:t>
             </a:r>
           </a:p>
           <a:p>
@@ -4012,7 +4012,7 @@
               </a:defRPr>
             </a:pPr>
             <a:r>
-              <a:t>Click auf Professur =&gt; zeigt Arbeitsthemen der Professur an</a:t>
+              <a:t>Klick auf Professur =&gt; zeigt Arbeitsthemen der Professur an</a:t>
             </a:r>
           </a:p>
           <a:p>
@@ -4033,7 +4033,7 @@
               </a:defRPr>
             </a:pPr>
             <a:r>
-              <a:t>Click auf Arbeitsthema =&gt; zeigt weitere Infos wie url, Tags, Beschreibung, etc</a:t>
+              <a:t>Klick auf Arbeitsthema =&gt; zeigt weitere Infos wie Url, Tags, Beschreibung, etc</a:t>
             </a:r>
           </a:p>
         </p:txBody>
@@ -4291,7 +4291,7 @@
       </p:grpSpPr>
       <p:sp>
         <p:nvSpPr>
-          <p:cNvPr id="160" name="Filterungsmöglichkeit bei der Ansicht (first draft mock-up)"/>
+          <p:cNvPr id="160" name="Filtermöglichkeit bei der Ansicht (first draft mock-up)"/>
           <p:cNvSpPr/>
           <p:nvPr/>
         </p:nvSpPr>
@@ -4333,7 +4333,7 @@
           <a:p>
             <a:pPr/>
             <a:r>
-              <a:t>Filterungsmöglichkeit bei der Ansicht (first draft mock-up)</a:t>
+              <a:t>Filtermöglichkeit bei der Ansicht (first draft mock-up)</a:t>
             </a:r>
           </a:p>
         </p:txBody>
@@ -4376,7 +4376,7 @@
         <p:spPr>
           <a:xfrm>
             <a:off x="13776856" y="1722708"/>
-            <a:ext cx="10369457" cy="11262578"/>
+            <a:ext cx="10396347" cy="11585046"/>
           </a:xfrm>
           <a:prstGeom prst="rect">
             <a:avLst/>
@@ -4477,7 +4477,7 @@
               </a:defRPr>
             </a:pPr>
             <a:r>
-              <a:t>Auf Click =&gt; Alle Arbeitsthemen nach den Filterkriterien filtern</a:t>
+              <a:t>Auf Klick =&gt; alle Arbeitsthemen nach den Filterkriterien auswählen</a:t>
             </a:r>
           </a:p>
           <a:p>
@@ -4530,7 +4530,7 @@
               </a:defRPr>
             </a:pPr>
             <a:r>
-              <a:t>Nach Möglichkeit ist 4. nicht nötig, wenn es so eingestellt werden kann, dass die Inhalte sofort bei auswählen eines Suchkriteriums filtriert werden. </a:t>
+              <a:t>Nach Möglichkeit ist 4. nicht nötig, wenn es so eingestellt werden kann, dass die Inhalte sofort beim Auswählen eines Suchkriteriums gefiltert werden. </a:t>
             </a:r>
           </a:p>
           <a:p>
@@ -4548,7 +4548,7 @@
               </a:defRPr>
             </a:pPr>
             <a:r>
-              <a:t>Filtermöglichkeiten 1.-3. könnten im Endprodukt andere sein bzw. Zusätzliche könnten dabei sein.</a:t>
+              <a:t>Filtermöglichkeiten 1.-3. könnten im Endprodukt andere sein bzw. zusätzliche könnten dabei sein (z.B. mehrere Tags auswählen zu können).</a:t>
             </a:r>
           </a:p>
         </p:txBody>
@@ -4790,14 +4790,14 @@
       </p:pic>
       <p:sp>
         <p:nvSpPr>
-          <p:cNvPr id="169" name="Diese visuell anspruchsvollere Ansicht ist erstmals ein optionaler Feature und funktioniert analog zur normalen Ansicht"/>
+          <p:cNvPr id="169" name="Diese visuell anspruchsvollere Ansicht ist erstmal ein optionales Feature und funktioniert analog zur normalen Ansicht (genaue visuelle Anforderungen können bei Umsetzung umgeändert/verbessert werden)"/>
           <p:cNvSpPr/>
           <p:nvPr/>
         </p:nvSpPr>
         <p:spPr>
           <a:xfrm>
-            <a:off x="1115092" y="264570"/>
-            <a:ext cx="21755445" cy="1047154"/>
+            <a:off x="1115092" y="175670"/>
+            <a:ext cx="21755445" cy="1360874"/>
           </a:xfrm>
           <a:prstGeom prst="rect">
             <a:avLst/>
@@ -4832,7 +4832,7 @@
           <a:p>
             <a:pPr/>
             <a:r>
-              <a:t>Diese visuell anspruchsvollere Ansicht ist erstmals ein optionaler Feature und funktioniert analog zur normalen Ansicht</a:t>
+              <a:t>Diese visuell anspruchsvollere Ansicht ist erstmal ein optionales Feature und funktioniert analog zur normalen Ansicht (genaue visuelle Anforderungen können bei Umsetzung umgeändert/verbessert werden)</a:t>
             </a:r>
           </a:p>
         </p:txBody>
@@ -4905,7 +4905,7 @@
               </a:defRPr>
             </a:pPr>
             <a:r>
-              <a:t>Normales Design =&gt; de-aktiviert “Bubble”-Ansicht </a:t>
+              <a:t>Normales Design =&gt; deaktiviert “Bubble”-Ansicht </a:t>
             </a:r>
           </a:p>
           <a:p>
@@ -4926,7 +4926,7 @@
               </a:defRPr>
             </a:pPr>
             <a:r>
-              <a:t>Click auf Institut =&gt; zeigt Professuren an, oder Arbeitsthemen, wo diese nicht in Professur unterkategorisiert sind</a:t>
+              <a:t>Klick auf Institut =&gt; zeigt Professuren an, oder Arbeitsthemen, wenn diese nicht in Professur unterkategorisiert sind</a:t>
             </a:r>
           </a:p>
           <a:p>
@@ -4947,7 +4947,7 @@
               </a:defRPr>
             </a:pPr>
             <a:r>
-              <a:t>Click auf Professur =&gt; zeigt Arbeitsthemen der Professur an</a:t>
+              <a:t>Klick auf Professur =&gt; zeigt Arbeitsthemen der Professur an</a:t>
             </a:r>
           </a:p>
           <a:p>
@@ -4968,7 +4968,28 @@
               </a:defRPr>
             </a:pPr>
             <a:r>
-              <a:t>Click auf Arbeitsthema =&gt; zeigt weitere Infos wie url, Tags, Beschreibung, etc</a:t>
+              <a:t>Klick auf Arbeitsthema =&gt; Popup zeigt weitere Infos wie Url, Tags, Beschreibung, etc</a:t>
+            </a:r>
+          </a:p>
+          <a:p>
+            <a:pPr lvl="1" marL="1481666" indent="-592666" algn="l" defTabSz="825500">
+              <a:lnSpc>
+                <a:spcPct val="150000"/>
+              </a:lnSpc>
+              <a:buSzPct val="100000"/>
+              <a:buAutoNum type="arabicPeriod" startAt="1"/>
+              <a:defRPr sz="3200">
+                <a:solidFill>
+                  <a:srgbClr val="000000"/>
+                </a:solidFill>
+                <a:latin typeface="Helvetica Neue Medium"/>
+                <a:ea typeface="Helvetica Neue Medium"/>
+                <a:cs typeface="Helvetica Neue Medium"/>
+                <a:sym typeface="Helvetica Neue Medium"/>
+              </a:defRPr>
+            </a:pPr>
+            <a:r>
+              <a:t>Previous / Next Thema </a:t>
             </a:r>
           </a:p>
           <a:p>
@@ -4989,9 +5010,6 @@
           </a:p>
           <a:p>
             <a:pPr lvl="2" algn="l" defTabSz="825500">
-              <a:lnSpc>
-                <a:spcPct val="200000"/>
-              </a:lnSpc>
               <a:defRPr sz="3200">
                 <a:solidFill>
                   <a:srgbClr val="000000"/>
@@ -5003,7 +5021,43 @@
               </a:defRPr>
             </a:pPr>
             <a:r>
-              <a:t>NOTIZ: 3. - 5. beim Covern und nicht-Click sollen die Infos auch angezeigt werden</a:t>
+              <a:t>NOTIZ: </a:t>
+            </a:r>
+          </a:p>
+          <a:p>
+            <a:pPr lvl="2" marL="1625600" indent="-406400" algn="l" defTabSz="825500">
+              <a:buSzPct val="123000"/>
+              <a:buChar char="•"/>
+              <a:defRPr sz="3200">
+                <a:solidFill>
+                  <a:srgbClr val="000000"/>
+                </a:solidFill>
+                <a:latin typeface="Helvetica Neue Medium"/>
+                <a:ea typeface="Helvetica Neue Medium"/>
+                <a:cs typeface="Helvetica Neue Medium"/>
+                <a:sym typeface="Helvetica Neue Medium"/>
+              </a:defRPr>
+            </a:pPr>
+            <a:r>
+              <a:t>(Optional) 3. &amp; 4. beim Hovern sollen die Infos auch angezeigt werden</a:t>
+            </a:r>
+          </a:p>
+          <a:p>
+            <a:pPr lvl="2" marL="1625600" indent="-406400" algn="l" defTabSz="825500">
+              <a:buSzPct val="123000"/>
+              <a:buChar char="•"/>
+              <a:defRPr sz="3200">
+                <a:solidFill>
+                  <a:srgbClr val="000000"/>
+                </a:solidFill>
+                <a:latin typeface="Helvetica Neue Medium"/>
+                <a:ea typeface="Helvetica Neue Medium"/>
+                <a:cs typeface="Helvetica Neue Medium"/>
+                <a:sym typeface="Helvetica Neue Medium"/>
+              </a:defRPr>
+            </a:pPr>
+            <a:r>
+              <a:t>3. - 5. Ausgewählte Elemente visuell markiert</a:t>
             </a:r>
           </a:p>
         </p:txBody>
@@ -5229,6 +5283,51 @@
             <a:pPr/>
             <a:r>
               <a:t>5</a:t>
+            </a:r>
+          </a:p>
+        </p:txBody>
+      </p:sp>
+      <p:sp>
+        <p:nvSpPr>
+          <p:cNvPr id="176" name="6"/>
+          <p:cNvSpPr/>
+          <p:nvPr/>
+        </p:nvSpPr>
+        <p:spPr>
+          <a:xfrm>
+            <a:off x="8275985" y="7332856"/>
+            <a:ext cx="948359" cy="949721"/>
+          </a:xfrm>
+          <a:prstGeom prst="ellipse">
+            <a:avLst/>
+          </a:prstGeom>
+          <a:solidFill>
+            <a:srgbClr val="60D937"/>
+          </a:solidFill>
+          <a:ln w="12700">
+            <a:miter lim="400000"/>
+          </a:ln>
+          <a:extLst>
+            <a:ext uri="{C572A759-6A51-4108-AA02-DFA0A04FC94B}">
+              <ma14:wrappingTextBoxFlag xmlns:ma14="http://schemas.microsoft.com/office/mac/drawingml/2011/main" val="1"/>
+            </a:ext>
+          </a:extLst>
+        </p:spPr>
+        <p:txBody>
+          <a:bodyPr lIns="50800" tIns="50800" rIns="50800" bIns="50800" anchor="ctr"/>
+          <a:lstStyle>
+            <a:lvl1pPr defTabSz="825500">
+              <a:defRPr b="1" sz="3700">
+                <a:solidFill>
+                  <a:srgbClr val="000000"/>
+                </a:solidFill>
+              </a:defRPr>
+            </a:lvl1pPr>
+          </a:lstStyle>
+          <a:p>
+            <a:pPr/>
+            <a:r>
+              <a:t>6</a:t>
             </a:r>
           </a:p>
         </p:txBody>

--- a/documentation/Funktionalitäten.pptx
+++ b/documentation/Funktionalitäten.pptx
@@ -11,6 +11,7 @@
     <p:sldId id="256" r:id="rId8"/>
     <p:sldId id="257" r:id="rId9"/>
     <p:sldId id="258" r:id="rId10"/>
+    <p:sldId id="259" r:id="rId11"/>
   </p:sldIdLst>
   <p:sldSz cx="24384000" cy="13716000"/>
   <p:notesSz cx="6858000" cy="9144000"/>
@@ -3911,7 +3912,7 @@
         <p:spPr>
           <a:xfrm>
             <a:off x="13776856" y="1722708"/>
-            <a:ext cx="10369456" cy="11262578"/>
+            <a:ext cx="10369457" cy="11262578"/>
           </a:xfrm>
           <a:prstGeom prst="rect">
             <a:avLst/>
@@ -4136,8 +4137,8 @@
         </p:nvSpPr>
         <p:spPr>
           <a:xfrm>
-            <a:off x="8704785" y="2705215"/>
-            <a:ext cx="948358" cy="949721"/>
+            <a:off x="8704784" y="2705215"/>
+            <a:ext cx="948359" cy="949721"/>
           </a:xfrm>
           <a:prstGeom prst="ellipse">
             <a:avLst/>
@@ -4182,7 +4183,7 @@
         <p:spPr>
           <a:xfrm>
             <a:off x="9940842" y="5424586"/>
-            <a:ext cx="948359" cy="949721"/>
+            <a:ext cx="948358" cy="949721"/>
           </a:xfrm>
           <a:prstGeom prst="ellipse">
             <a:avLst/>
@@ -4226,7 +4227,7 @@
         </p:nvSpPr>
         <p:spPr>
           <a:xfrm>
-            <a:off x="10701492" y="6879137"/>
+            <a:off x="10701493" y="6879137"/>
             <a:ext cx="948359" cy="949721"/>
           </a:xfrm>
           <a:prstGeom prst="ellipse">
@@ -4761,7 +4762,7 @@
       </p:grpSpPr>
       <p:pic>
         <p:nvPicPr>
-          <p:cNvPr id="168" name="Mockup_Toggle_Bälle.png" descr="Mockup_Toggle_Bälle.png"/>
+          <p:cNvPr id="168" name="Mockup_Toggle_Bälle_v2_1.png" descr="Mockup_Toggle_Bälle_v2_1.png"/>
           <p:cNvPicPr>
             <a:picLocks noChangeAspect="1"/>
           </p:cNvPicPr>
@@ -4777,8 +4778,8 @@
         </p:blipFill>
         <p:spPr>
           <a:xfrm>
-            <a:off x="121904" y="2724847"/>
-            <a:ext cx="13944601" cy="9258301"/>
+            <a:off x="456697" y="1722708"/>
+            <a:ext cx="13275014" cy="11262578"/>
           </a:xfrm>
           <a:prstGeom prst="rect">
             <a:avLst/>
@@ -4951,6 +4952,556 @@
             </a:r>
           </a:p>
           <a:p>
+            <a:pPr algn="l" defTabSz="825500">
+              <a:lnSpc>
+                <a:spcPct val="150000"/>
+              </a:lnSpc>
+              <a:defRPr sz="3200">
+                <a:solidFill>
+                  <a:srgbClr val="000000"/>
+                </a:solidFill>
+                <a:latin typeface="Helvetica Neue Medium"/>
+                <a:ea typeface="Helvetica Neue Medium"/>
+                <a:cs typeface="Helvetica Neue Medium"/>
+                <a:sym typeface="Helvetica Neue Medium"/>
+              </a:defRPr>
+            </a:pPr>
+          </a:p>
+          <a:p>
+            <a:pPr algn="l" defTabSz="825500">
+              <a:lnSpc>
+                <a:spcPct val="200000"/>
+              </a:lnSpc>
+              <a:defRPr sz="3200">
+                <a:solidFill>
+                  <a:srgbClr val="000000"/>
+                </a:solidFill>
+                <a:latin typeface="Helvetica Neue Medium"/>
+                <a:ea typeface="Helvetica Neue Medium"/>
+                <a:cs typeface="Helvetica Neue Medium"/>
+                <a:sym typeface="Helvetica Neue Medium"/>
+              </a:defRPr>
+            </a:pPr>
+          </a:p>
+          <a:p>
+            <a:pPr lvl="2" algn="l" defTabSz="825500">
+              <a:defRPr sz="3200">
+                <a:solidFill>
+                  <a:srgbClr val="000000"/>
+                </a:solidFill>
+                <a:latin typeface="Helvetica Neue Medium"/>
+                <a:ea typeface="Helvetica Neue Medium"/>
+                <a:cs typeface="Helvetica Neue Medium"/>
+                <a:sym typeface="Helvetica Neue Medium"/>
+              </a:defRPr>
+            </a:pPr>
+            <a:r>
+              <a:t>NOTIZ: </a:t>
+            </a:r>
+          </a:p>
+          <a:p>
+            <a:pPr lvl="2" marL="1625600" indent="-406400" algn="l" defTabSz="825500">
+              <a:buSzPct val="123000"/>
+              <a:buChar char="•"/>
+              <a:defRPr sz="3200">
+                <a:solidFill>
+                  <a:srgbClr val="000000"/>
+                </a:solidFill>
+                <a:latin typeface="Helvetica Neue Medium"/>
+                <a:ea typeface="Helvetica Neue Medium"/>
+                <a:cs typeface="Helvetica Neue Medium"/>
+                <a:sym typeface="Helvetica Neue Medium"/>
+              </a:defRPr>
+            </a:pPr>
+            <a:r>
+              <a:t>(Optional) 3. &amp; 4. beim Hovern sollen die Infos auch angezeigt werden</a:t>
+            </a:r>
+          </a:p>
+          <a:p>
+            <a:pPr lvl="2" marL="1625600" indent="-406400" algn="l" defTabSz="825500">
+              <a:buSzPct val="123000"/>
+              <a:buChar char="•"/>
+              <a:defRPr sz="3200">
+                <a:solidFill>
+                  <a:srgbClr val="000000"/>
+                </a:solidFill>
+                <a:latin typeface="Helvetica Neue Medium"/>
+                <a:ea typeface="Helvetica Neue Medium"/>
+                <a:cs typeface="Helvetica Neue Medium"/>
+                <a:sym typeface="Helvetica Neue Medium"/>
+              </a:defRPr>
+            </a:pPr>
+            <a:r>
+              <a:t>3. - 5. Ausgewählte Elemente visuell markiert</a:t>
+            </a:r>
+          </a:p>
+        </p:txBody>
+      </p:sp>
+      <p:sp>
+        <p:nvSpPr>
+          <p:cNvPr id="171" name="1"/>
+          <p:cNvSpPr/>
+          <p:nvPr/>
+        </p:nvSpPr>
+        <p:spPr>
+          <a:xfrm>
+            <a:off x="147465" y="2047899"/>
+            <a:ext cx="948359" cy="949720"/>
+          </a:xfrm>
+          <a:prstGeom prst="ellipse">
+            <a:avLst/>
+          </a:prstGeom>
+          <a:solidFill>
+            <a:srgbClr val="60D937"/>
+          </a:solidFill>
+          <a:ln w="12700">
+            <a:miter lim="400000"/>
+          </a:ln>
+          <a:extLst>
+            <a:ext uri="{C572A759-6A51-4108-AA02-DFA0A04FC94B}">
+              <ma14:wrappingTextBoxFlag xmlns:ma14="http://schemas.microsoft.com/office/mac/drawingml/2011/main" val="1"/>
+            </a:ext>
+          </a:extLst>
+        </p:spPr>
+        <p:txBody>
+          <a:bodyPr lIns="50800" tIns="50800" rIns="50800" bIns="50800" anchor="ctr"/>
+          <a:lstStyle>
+            <a:lvl1pPr defTabSz="825500">
+              <a:defRPr b="1" sz="3700">
+                <a:solidFill>
+                  <a:srgbClr val="000000"/>
+                </a:solidFill>
+              </a:defRPr>
+            </a:lvl1pPr>
+          </a:lstStyle>
+          <a:p>
+            <a:pPr/>
+            <a:r>
+              <a:t>1</a:t>
+            </a:r>
+          </a:p>
+        </p:txBody>
+      </p:sp>
+      <p:sp>
+        <p:nvSpPr>
+          <p:cNvPr id="172" name="2"/>
+          <p:cNvSpPr/>
+          <p:nvPr/>
+        </p:nvSpPr>
+        <p:spPr>
+          <a:xfrm>
+            <a:off x="5614202" y="2269069"/>
+            <a:ext cx="948359" cy="949720"/>
+          </a:xfrm>
+          <a:prstGeom prst="ellipse">
+            <a:avLst/>
+          </a:prstGeom>
+          <a:solidFill>
+            <a:srgbClr val="60D937"/>
+          </a:solidFill>
+          <a:ln w="12700">
+            <a:miter lim="400000"/>
+          </a:ln>
+          <a:extLst>
+            <a:ext uri="{C572A759-6A51-4108-AA02-DFA0A04FC94B}">
+              <ma14:wrappingTextBoxFlag xmlns:ma14="http://schemas.microsoft.com/office/mac/drawingml/2011/main" val="1"/>
+            </a:ext>
+          </a:extLst>
+        </p:spPr>
+        <p:txBody>
+          <a:bodyPr lIns="50800" tIns="50800" rIns="50800" bIns="50800" anchor="ctr"/>
+          <a:lstStyle>
+            <a:lvl1pPr defTabSz="825500">
+              <a:defRPr b="1" sz="3700">
+                <a:solidFill>
+                  <a:srgbClr val="000000"/>
+                </a:solidFill>
+              </a:defRPr>
+            </a:lvl1pPr>
+          </a:lstStyle>
+          <a:p>
+            <a:pPr/>
+            <a:r>
+              <a:t>2</a:t>
+            </a:r>
+          </a:p>
+        </p:txBody>
+      </p:sp>
+      <p:sp>
+        <p:nvSpPr>
+          <p:cNvPr id="173" name="3"/>
+          <p:cNvSpPr/>
+          <p:nvPr/>
+        </p:nvSpPr>
+        <p:spPr>
+          <a:xfrm>
+            <a:off x="147465" y="4722183"/>
+            <a:ext cx="948359" cy="949721"/>
+          </a:xfrm>
+          <a:prstGeom prst="ellipse">
+            <a:avLst/>
+          </a:prstGeom>
+          <a:solidFill>
+            <a:srgbClr val="60D937"/>
+          </a:solidFill>
+          <a:ln w="12700">
+            <a:miter lim="400000"/>
+          </a:ln>
+          <a:extLst>
+            <a:ext uri="{C572A759-6A51-4108-AA02-DFA0A04FC94B}">
+              <ma14:wrappingTextBoxFlag xmlns:ma14="http://schemas.microsoft.com/office/mac/drawingml/2011/main" val="1"/>
+            </a:ext>
+          </a:extLst>
+        </p:spPr>
+        <p:txBody>
+          <a:bodyPr lIns="50800" tIns="50800" rIns="50800" bIns="50800" anchor="ctr"/>
+          <a:lstStyle>
+            <a:lvl1pPr defTabSz="825500">
+              <a:defRPr b="1" sz="3700">
+                <a:solidFill>
+                  <a:srgbClr val="000000"/>
+                </a:solidFill>
+              </a:defRPr>
+            </a:lvl1pPr>
+          </a:lstStyle>
+          <a:p>
+            <a:pPr/>
+            <a:r>
+              <a:t>3</a:t>
+            </a:r>
+          </a:p>
+        </p:txBody>
+      </p:sp>
+      <p:sp>
+        <p:nvSpPr>
+          <p:cNvPr id="174" name="4"/>
+          <p:cNvSpPr/>
+          <p:nvPr/>
+        </p:nvSpPr>
+        <p:spPr>
+          <a:xfrm>
+            <a:off x="1028784" y="9406326"/>
+            <a:ext cx="948359" cy="949721"/>
+          </a:xfrm>
+          <a:prstGeom prst="ellipse">
+            <a:avLst/>
+          </a:prstGeom>
+          <a:solidFill>
+            <a:srgbClr val="60D937"/>
+          </a:solidFill>
+          <a:ln w="12700">
+            <a:miter lim="400000"/>
+          </a:ln>
+          <a:extLst>
+            <a:ext uri="{C572A759-6A51-4108-AA02-DFA0A04FC94B}">
+              <ma14:wrappingTextBoxFlag xmlns:ma14="http://schemas.microsoft.com/office/mac/drawingml/2011/main" val="1"/>
+            </a:ext>
+          </a:extLst>
+        </p:spPr>
+        <p:txBody>
+          <a:bodyPr lIns="50800" tIns="50800" rIns="50800" bIns="50800" anchor="ctr"/>
+          <a:lstStyle>
+            <a:lvl1pPr defTabSz="825500">
+              <a:defRPr b="1" sz="3700">
+                <a:solidFill>
+                  <a:srgbClr val="000000"/>
+                </a:solidFill>
+              </a:defRPr>
+            </a:lvl1pPr>
+          </a:lstStyle>
+          <a:p>
+            <a:pPr/>
+            <a:r>
+              <a:t>4</a:t>
+            </a:r>
+          </a:p>
+        </p:txBody>
+      </p:sp>
+    </p:spTree>
+  </p:cSld>
+  <p:clrMapOvr>
+    <a:masterClrMapping/>
+  </p:clrMapOvr>
+  <p:transition xmlns:p14="http://schemas.microsoft.com/office/powerpoint/2010/main" spd="med" advClick="1"/>
+</p:sld>
+</file>
+
+<file path=ppt/slides/slide4.xml><?xml version="1.0" encoding="utf-8"?>
+<p:sld xmlns:a="http://schemas.openxmlformats.org/drawingml/2006/main" xmlns:r="http://schemas.openxmlformats.org/officeDocument/2006/relationships" xmlns:p="http://schemas.openxmlformats.org/presentationml/2006/main" xmlns:m="http://schemas.openxmlformats.org/officeDocument/2006/math" xmlns:a14="http://schemas.microsoft.com/office/drawing/2010/main" showMasterSp="1" showMasterPhAnim="1">
+  <p:cSld>
+    <p:spTree>
+      <p:nvGrpSpPr>
+        <p:cNvPr id="1" name=""/>
+        <p:cNvGrpSpPr/>
+        <p:nvPr/>
+      </p:nvGrpSpPr>
+      <p:grpSpPr>
+        <a:xfrm>
+          <a:off x="0" y="0"/>
+          <a:ext cx="0" cy="0"/>
+          <a:chOff x="0" y="0"/>
+          <a:chExt cx="0" cy="0"/>
+        </a:xfrm>
+      </p:grpSpPr>
+      <p:pic>
+        <p:nvPicPr>
+          <p:cNvPr id="176" name="Mockup_Toggle_Bälle_v2_2.png" descr="Mockup_Toggle_Bälle_v2_2.png"/>
+          <p:cNvPicPr>
+            <a:picLocks noChangeAspect="1"/>
+          </p:cNvPicPr>
+          <p:nvPr/>
+        </p:nvPicPr>
+        <p:blipFill>
+          <a:blip r:embed="rId2">
+            <a:extLst/>
+          </a:blip>
+          <a:stretch>
+            <a:fillRect/>
+          </a:stretch>
+        </p:blipFill>
+        <p:spPr>
+          <a:xfrm>
+            <a:off x="499231" y="2283566"/>
+            <a:ext cx="13286791" cy="9040122"/>
+          </a:xfrm>
+          <a:prstGeom prst="rect">
+            <a:avLst/>
+          </a:prstGeom>
+          <a:ln w="12700">
+            <a:miter lim="400000"/>
+          </a:ln>
+        </p:spPr>
+      </p:pic>
+      <p:sp>
+        <p:nvSpPr>
+          <p:cNvPr id="177" name="Diese visuell anspruchsvollere Ansicht ist erstmal ein optionales Feature und funktioniert analog zur normalen Ansicht (genaue visuelle Anforderungen können bei Umsetzung umgeändert/verbessert werden)"/>
+          <p:cNvSpPr/>
+          <p:nvPr/>
+        </p:nvSpPr>
+        <p:spPr>
+          <a:xfrm>
+            <a:off x="1115092" y="175670"/>
+            <a:ext cx="21755445" cy="1360874"/>
+          </a:xfrm>
+          <a:prstGeom prst="rect">
+            <a:avLst/>
+          </a:prstGeom>
+          <a:solidFill>
+            <a:schemeClr val="accent1"/>
+          </a:solidFill>
+          <a:ln w="12700">
+            <a:miter lim="400000"/>
+          </a:ln>
+          <a:extLst>
+            <a:ext uri="{C572A759-6A51-4108-AA02-DFA0A04FC94B}">
+              <ma14:wrappingTextBoxFlag xmlns:ma14="http://schemas.microsoft.com/office/mac/drawingml/2011/main" val="1"/>
+            </a:ext>
+          </a:extLst>
+        </p:spPr>
+        <p:txBody>
+          <a:bodyPr lIns="50800" tIns="50800" rIns="50800" bIns="50800" anchor="ctr"/>
+          <a:lstStyle>
+            <a:lvl1pPr defTabSz="825500">
+              <a:defRPr sz="3200">
+                <a:solidFill>
+                  <a:srgbClr val="FFFFFF"/>
+                </a:solidFill>
+                <a:latin typeface="Helvetica Neue Medium"/>
+                <a:ea typeface="Helvetica Neue Medium"/>
+                <a:cs typeface="Helvetica Neue Medium"/>
+                <a:sym typeface="Helvetica Neue Medium"/>
+              </a:defRPr>
+            </a:lvl1pPr>
+          </a:lstStyle>
+          <a:p>
+            <a:pPr/>
+            <a:r>
+              <a:t>Diese visuell anspruchsvollere Ansicht ist erstmal ein optionales Feature und funktioniert analog zur normalen Ansicht (genaue visuelle Anforderungen können bei Umsetzung umgeändert/verbessert werden)</a:t>
+            </a:r>
+          </a:p>
+        </p:txBody>
+      </p:sp>
+      <p:sp>
+        <p:nvSpPr>
+          <p:cNvPr id="178" name="1"/>
+          <p:cNvSpPr/>
+          <p:nvPr/>
+        </p:nvSpPr>
+        <p:spPr>
+          <a:xfrm>
+            <a:off x="147465" y="3181395"/>
+            <a:ext cx="948359" cy="949721"/>
+          </a:xfrm>
+          <a:prstGeom prst="ellipse">
+            <a:avLst/>
+          </a:prstGeom>
+          <a:solidFill>
+            <a:srgbClr val="60D937"/>
+          </a:solidFill>
+          <a:ln w="12700">
+            <a:miter lim="400000"/>
+          </a:ln>
+          <a:extLst>
+            <a:ext uri="{C572A759-6A51-4108-AA02-DFA0A04FC94B}">
+              <ma14:wrappingTextBoxFlag xmlns:ma14="http://schemas.microsoft.com/office/mac/drawingml/2011/main" val="1"/>
+            </a:ext>
+          </a:extLst>
+        </p:spPr>
+        <p:txBody>
+          <a:bodyPr lIns="50800" tIns="50800" rIns="50800" bIns="50800" anchor="ctr"/>
+          <a:lstStyle>
+            <a:lvl1pPr defTabSz="825500">
+              <a:defRPr b="1" sz="3700">
+                <a:solidFill>
+                  <a:srgbClr val="000000"/>
+                </a:solidFill>
+              </a:defRPr>
+            </a:lvl1pPr>
+          </a:lstStyle>
+          <a:p>
+            <a:pPr/>
+            <a:r>
+              <a:t>1</a:t>
+            </a:r>
+          </a:p>
+        </p:txBody>
+      </p:sp>
+      <p:sp>
+        <p:nvSpPr>
+          <p:cNvPr id="179" name="2"/>
+          <p:cNvSpPr/>
+          <p:nvPr/>
+        </p:nvSpPr>
+        <p:spPr>
+          <a:xfrm>
+            <a:off x="6885930" y="4619001"/>
+            <a:ext cx="948359" cy="949720"/>
+          </a:xfrm>
+          <a:prstGeom prst="ellipse">
+            <a:avLst/>
+          </a:prstGeom>
+          <a:solidFill>
+            <a:srgbClr val="60D937"/>
+          </a:solidFill>
+          <a:ln w="12700">
+            <a:miter lim="400000"/>
+          </a:ln>
+          <a:extLst>
+            <a:ext uri="{C572A759-6A51-4108-AA02-DFA0A04FC94B}">
+              <ma14:wrappingTextBoxFlag xmlns:ma14="http://schemas.microsoft.com/office/mac/drawingml/2011/main" val="1"/>
+            </a:ext>
+          </a:extLst>
+        </p:spPr>
+        <p:txBody>
+          <a:bodyPr lIns="50800" tIns="50800" rIns="50800" bIns="50800" anchor="ctr"/>
+          <a:lstStyle>
+            <a:lvl1pPr defTabSz="825500">
+              <a:defRPr b="1" sz="3700">
+                <a:solidFill>
+                  <a:srgbClr val="000000"/>
+                </a:solidFill>
+              </a:defRPr>
+            </a:lvl1pPr>
+          </a:lstStyle>
+          <a:p>
+            <a:pPr/>
+            <a:r>
+              <a:t>2</a:t>
+            </a:r>
+          </a:p>
+        </p:txBody>
+      </p:sp>
+      <p:sp>
+        <p:nvSpPr>
+          <p:cNvPr id="180" name="3"/>
+          <p:cNvSpPr/>
+          <p:nvPr/>
+        </p:nvSpPr>
+        <p:spPr>
+          <a:xfrm>
+            <a:off x="8201719" y="5050109"/>
+            <a:ext cx="948359" cy="949721"/>
+          </a:xfrm>
+          <a:prstGeom prst="ellipse">
+            <a:avLst/>
+          </a:prstGeom>
+          <a:solidFill>
+            <a:srgbClr val="60D937"/>
+          </a:solidFill>
+          <a:ln w="12700">
+            <a:miter lim="400000"/>
+          </a:ln>
+          <a:extLst>
+            <a:ext uri="{C572A759-6A51-4108-AA02-DFA0A04FC94B}">
+              <ma14:wrappingTextBoxFlag xmlns:ma14="http://schemas.microsoft.com/office/mac/drawingml/2011/main" val="1"/>
+            </a:ext>
+          </a:extLst>
+        </p:spPr>
+        <p:txBody>
+          <a:bodyPr lIns="50800" tIns="50800" rIns="50800" bIns="50800" anchor="ctr"/>
+          <a:lstStyle>
+            <a:lvl1pPr defTabSz="825500">
+              <a:defRPr b="1" sz="3700">
+                <a:solidFill>
+                  <a:srgbClr val="000000"/>
+                </a:solidFill>
+              </a:defRPr>
+            </a:lvl1pPr>
+          </a:lstStyle>
+          <a:p>
+            <a:pPr/>
+            <a:r>
+              <a:t>3</a:t>
+            </a:r>
+          </a:p>
+        </p:txBody>
+      </p:sp>
+      <p:sp>
+        <p:nvSpPr>
+          <p:cNvPr id="181" name="Klick auf Arbeitsthema =&gt; Popup zeigt weitere Infos wie Url, Tags, Beschreibung, etc…"/>
+          <p:cNvSpPr/>
+          <p:nvPr/>
+        </p:nvSpPr>
+        <p:spPr>
+          <a:xfrm>
+            <a:off x="13776856" y="2791790"/>
+            <a:ext cx="10369457" cy="4738115"/>
+          </a:xfrm>
+          <a:prstGeom prst="rect">
+            <a:avLst/>
+          </a:prstGeom>
+          <a:solidFill>
+            <a:srgbClr val="60D937"/>
+          </a:solidFill>
+          <a:ln w="12700">
+            <a:miter lim="400000"/>
+          </a:ln>
+          <a:extLst>
+            <a:ext uri="{C572A759-6A51-4108-AA02-DFA0A04FC94B}">
+              <ma14:wrappingTextBoxFlag xmlns:ma14="http://schemas.microsoft.com/office/mac/drawingml/2011/main" val="1"/>
+            </a:ext>
+          </a:extLst>
+        </p:spPr>
+        <p:txBody>
+          <a:bodyPr lIns="50800" tIns="50800" rIns="50800" bIns="50800"/>
+          <a:lstStyle/>
+          <a:p>
+            <a:pPr algn="l" defTabSz="825500">
+              <a:lnSpc>
+                <a:spcPct val="150000"/>
+              </a:lnSpc>
+              <a:defRPr sz="3200">
+                <a:solidFill>
+                  <a:srgbClr val="000000"/>
+                </a:solidFill>
+                <a:latin typeface="Helvetica Neue Medium"/>
+                <a:ea typeface="Helvetica Neue Medium"/>
+                <a:cs typeface="Helvetica Neue Medium"/>
+                <a:sym typeface="Helvetica Neue Medium"/>
+              </a:defRPr>
+            </a:pPr>
+          </a:p>
+          <a:p>
             <a:pPr lvl="1" marL="1481666" indent="-592666" algn="l" defTabSz="825500">
               <a:lnSpc>
                 <a:spcPct val="150000"/>
@@ -4989,7 +5540,28 @@
               </a:defRPr>
             </a:pPr>
             <a:r>
-              <a:t>Previous / Next Thema </a:t>
+              <a:t>Vorheriges Thema</a:t>
+            </a:r>
+          </a:p>
+          <a:p>
+            <a:pPr lvl="1" marL="1481666" indent="-592666" algn="l" defTabSz="825500">
+              <a:lnSpc>
+                <a:spcPct val="150000"/>
+              </a:lnSpc>
+              <a:buSzPct val="100000"/>
+              <a:buAutoNum type="arabicPeriod" startAt="1"/>
+              <a:defRPr sz="3200">
+                <a:solidFill>
+                  <a:srgbClr val="000000"/>
+                </a:solidFill>
+                <a:latin typeface="Helvetica Neue Medium"/>
+                <a:ea typeface="Helvetica Neue Medium"/>
+                <a:cs typeface="Helvetica Neue Medium"/>
+                <a:sym typeface="Helvetica Neue Medium"/>
+              </a:defRPr>
+            </a:pPr>
+            <a:r>
+              <a:t>Nächstes Thema </a:t>
             </a:r>
           </a:p>
           <a:p>
@@ -5007,328 +5579,6 @@
                 <a:sym typeface="Helvetica Neue Medium"/>
               </a:defRPr>
             </a:pPr>
-          </a:p>
-          <a:p>
-            <a:pPr lvl="2" algn="l" defTabSz="825500">
-              <a:defRPr sz="3200">
-                <a:solidFill>
-                  <a:srgbClr val="000000"/>
-                </a:solidFill>
-                <a:latin typeface="Helvetica Neue Medium"/>
-                <a:ea typeface="Helvetica Neue Medium"/>
-                <a:cs typeface="Helvetica Neue Medium"/>
-                <a:sym typeface="Helvetica Neue Medium"/>
-              </a:defRPr>
-            </a:pPr>
-            <a:r>
-              <a:t>NOTIZ: </a:t>
-            </a:r>
-          </a:p>
-          <a:p>
-            <a:pPr lvl="2" marL="1625600" indent="-406400" algn="l" defTabSz="825500">
-              <a:buSzPct val="123000"/>
-              <a:buChar char="•"/>
-              <a:defRPr sz="3200">
-                <a:solidFill>
-                  <a:srgbClr val="000000"/>
-                </a:solidFill>
-                <a:latin typeface="Helvetica Neue Medium"/>
-                <a:ea typeface="Helvetica Neue Medium"/>
-                <a:cs typeface="Helvetica Neue Medium"/>
-                <a:sym typeface="Helvetica Neue Medium"/>
-              </a:defRPr>
-            </a:pPr>
-            <a:r>
-              <a:t>(Optional) 3. &amp; 4. beim Hovern sollen die Infos auch angezeigt werden</a:t>
-            </a:r>
-          </a:p>
-          <a:p>
-            <a:pPr lvl="2" marL="1625600" indent="-406400" algn="l" defTabSz="825500">
-              <a:buSzPct val="123000"/>
-              <a:buChar char="•"/>
-              <a:defRPr sz="3200">
-                <a:solidFill>
-                  <a:srgbClr val="000000"/>
-                </a:solidFill>
-                <a:latin typeface="Helvetica Neue Medium"/>
-                <a:ea typeface="Helvetica Neue Medium"/>
-                <a:cs typeface="Helvetica Neue Medium"/>
-                <a:sym typeface="Helvetica Neue Medium"/>
-              </a:defRPr>
-            </a:pPr>
-            <a:r>
-              <a:t>3. - 5. Ausgewählte Elemente visuell markiert</a:t>
-            </a:r>
-          </a:p>
-        </p:txBody>
-      </p:sp>
-      <p:sp>
-        <p:nvSpPr>
-          <p:cNvPr id="171" name="1"/>
-          <p:cNvSpPr/>
-          <p:nvPr/>
-        </p:nvSpPr>
-        <p:spPr>
-          <a:xfrm>
-            <a:off x="1142110" y="1771436"/>
-            <a:ext cx="948359" cy="949721"/>
-          </a:xfrm>
-          <a:prstGeom prst="ellipse">
-            <a:avLst/>
-          </a:prstGeom>
-          <a:solidFill>
-            <a:srgbClr val="60D937"/>
-          </a:solidFill>
-          <a:ln w="12700">
-            <a:miter lim="400000"/>
-          </a:ln>
-          <a:extLst>
-            <a:ext uri="{C572A759-6A51-4108-AA02-DFA0A04FC94B}">
-              <ma14:wrappingTextBoxFlag xmlns:ma14="http://schemas.microsoft.com/office/mac/drawingml/2011/main" val="1"/>
-            </a:ext>
-          </a:extLst>
-        </p:spPr>
-        <p:txBody>
-          <a:bodyPr lIns="50800" tIns="50800" rIns="50800" bIns="50800" anchor="ctr"/>
-          <a:lstStyle>
-            <a:lvl1pPr defTabSz="825500">
-              <a:defRPr b="1" sz="3700">
-                <a:solidFill>
-                  <a:srgbClr val="000000"/>
-                </a:solidFill>
-              </a:defRPr>
-            </a:lvl1pPr>
-          </a:lstStyle>
-          <a:p>
-            <a:pPr/>
-            <a:r>
-              <a:t>1</a:t>
-            </a:r>
-          </a:p>
-        </p:txBody>
-      </p:sp>
-      <p:sp>
-        <p:nvSpPr>
-          <p:cNvPr id="172" name="2"/>
-          <p:cNvSpPr/>
-          <p:nvPr/>
-        </p:nvSpPr>
-        <p:spPr>
-          <a:xfrm>
-            <a:off x="5807726" y="1771436"/>
-            <a:ext cx="948359" cy="949721"/>
-          </a:xfrm>
-          <a:prstGeom prst="ellipse">
-            <a:avLst/>
-          </a:prstGeom>
-          <a:solidFill>
-            <a:srgbClr val="60D937"/>
-          </a:solidFill>
-          <a:ln w="12700">
-            <a:miter lim="400000"/>
-          </a:ln>
-          <a:extLst>
-            <a:ext uri="{C572A759-6A51-4108-AA02-DFA0A04FC94B}">
-              <ma14:wrappingTextBoxFlag xmlns:ma14="http://schemas.microsoft.com/office/mac/drawingml/2011/main" val="1"/>
-            </a:ext>
-          </a:extLst>
-        </p:spPr>
-        <p:txBody>
-          <a:bodyPr lIns="50800" tIns="50800" rIns="50800" bIns="50800" anchor="ctr"/>
-          <a:lstStyle>
-            <a:lvl1pPr defTabSz="825500">
-              <a:defRPr b="1" sz="3700">
-                <a:solidFill>
-                  <a:srgbClr val="000000"/>
-                </a:solidFill>
-              </a:defRPr>
-            </a:lvl1pPr>
-          </a:lstStyle>
-          <a:p>
-            <a:pPr/>
-            <a:r>
-              <a:t>2</a:t>
-            </a:r>
-          </a:p>
-        </p:txBody>
-      </p:sp>
-      <p:sp>
-        <p:nvSpPr>
-          <p:cNvPr id="173" name="3"/>
-          <p:cNvSpPr/>
-          <p:nvPr/>
-        </p:nvSpPr>
-        <p:spPr>
-          <a:xfrm>
-            <a:off x="147465" y="4190169"/>
-            <a:ext cx="948359" cy="949721"/>
-          </a:xfrm>
-          <a:prstGeom prst="ellipse">
-            <a:avLst/>
-          </a:prstGeom>
-          <a:solidFill>
-            <a:srgbClr val="60D937"/>
-          </a:solidFill>
-          <a:ln w="12700">
-            <a:miter lim="400000"/>
-          </a:ln>
-          <a:extLst>
-            <a:ext uri="{C572A759-6A51-4108-AA02-DFA0A04FC94B}">
-              <ma14:wrappingTextBoxFlag xmlns:ma14="http://schemas.microsoft.com/office/mac/drawingml/2011/main" val="1"/>
-            </a:ext>
-          </a:extLst>
-        </p:spPr>
-        <p:txBody>
-          <a:bodyPr lIns="50800" tIns="50800" rIns="50800" bIns="50800" anchor="ctr"/>
-          <a:lstStyle>
-            <a:lvl1pPr defTabSz="825500">
-              <a:defRPr b="1" sz="3700">
-                <a:solidFill>
-                  <a:srgbClr val="000000"/>
-                </a:solidFill>
-              </a:defRPr>
-            </a:lvl1pPr>
-          </a:lstStyle>
-          <a:p>
-            <a:pPr/>
-            <a:r>
-              <a:t>3</a:t>
-            </a:r>
-          </a:p>
-        </p:txBody>
-      </p:sp>
-      <p:sp>
-        <p:nvSpPr>
-          <p:cNvPr id="174" name="4"/>
-          <p:cNvSpPr/>
-          <p:nvPr/>
-        </p:nvSpPr>
-        <p:spPr>
-          <a:xfrm>
-            <a:off x="337628" y="7332856"/>
-            <a:ext cx="948358" cy="949721"/>
-          </a:xfrm>
-          <a:prstGeom prst="ellipse">
-            <a:avLst/>
-          </a:prstGeom>
-          <a:solidFill>
-            <a:srgbClr val="60D937"/>
-          </a:solidFill>
-          <a:ln w="12700">
-            <a:miter lim="400000"/>
-          </a:ln>
-          <a:extLst>
-            <a:ext uri="{C572A759-6A51-4108-AA02-DFA0A04FC94B}">
-              <ma14:wrappingTextBoxFlag xmlns:ma14="http://schemas.microsoft.com/office/mac/drawingml/2011/main" val="1"/>
-            </a:ext>
-          </a:extLst>
-        </p:spPr>
-        <p:txBody>
-          <a:bodyPr lIns="50800" tIns="50800" rIns="50800" bIns="50800" anchor="ctr"/>
-          <a:lstStyle>
-            <a:lvl1pPr defTabSz="825500">
-              <a:defRPr b="1" sz="3700">
-                <a:solidFill>
-                  <a:srgbClr val="000000"/>
-                </a:solidFill>
-              </a:defRPr>
-            </a:lvl1pPr>
-          </a:lstStyle>
-          <a:p>
-            <a:pPr/>
-            <a:r>
-              <a:t>4</a:t>
-            </a:r>
-          </a:p>
-        </p:txBody>
-      </p:sp>
-      <p:sp>
-        <p:nvSpPr>
-          <p:cNvPr id="175" name="5"/>
-          <p:cNvSpPr/>
-          <p:nvPr/>
-        </p:nvSpPr>
-        <p:spPr>
-          <a:xfrm>
-            <a:off x="1320360" y="9329789"/>
-            <a:ext cx="948358" cy="949721"/>
-          </a:xfrm>
-          <a:prstGeom prst="ellipse">
-            <a:avLst/>
-          </a:prstGeom>
-          <a:solidFill>
-            <a:srgbClr val="60D937"/>
-          </a:solidFill>
-          <a:ln w="12700">
-            <a:miter lim="400000"/>
-          </a:ln>
-          <a:extLst>
-            <a:ext uri="{C572A759-6A51-4108-AA02-DFA0A04FC94B}">
-              <ma14:wrappingTextBoxFlag xmlns:ma14="http://schemas.microsoft.com/office/mac/drawingml/2011/main" val="1"/>
-            </a:ext>
-          </a:extLst>
-        </p:spPr>
-        <p:txBody>
-          <a:bodyPr lIns="50800" tIns="50800" rIns="50800" bIns="50800" anchor="ctr"/>
-          <a:lstStyle>
-            <a:lvl1pPr defTabSz="825500">
-              <a:defRPr b="1" sz="3700">
-                <a:solidFill>
-                  <a:srgbClr val="000000"/>
-                </a:solidFill>
-              </a:defRPr>
-            </a:lvl1pPr>
-          </a:lstStyle>
-          <a:p>
-            <a:pPr/>
-            <a:r>
-              <a:t>5</a:t>
-            </a:r>
-          </a:p>
-        </p:txBody>
-      </p:sp>
-      <p:sp>
-        <p:nvSpPr>
-          <p:cNvPr id="176" name="6"/>
-          <p:cNvSpPr/>
-          <p:nvPr/>
-        </p:nvSpPr>
-        <p:spPr>
-          <a:xfrm>
-            <a:off x="8275985" y="7332856"/>
-            <a:ext cx="948359" cy="949721"/>
-          </a:xfrm>
-          <a:prstGeom prst="ellipse">
-            <a:avLst/>
-          </a:prstGeom>
-          <a:solidFill>
-            <a:srgbClr val="60D937"/>
-          </a:solidFill>
-          <a:ln w="12700">
-            <a:miter lim="400000"/>
-          </a:ln>
-          <a:extLst>
-            <a:ext uri="{C572A759-6A51-4108-AA02-DFA0A04FC94B}">
-              <ma14:wrappingTextBoxFlag xmlns:ma14="http://schemas.microsoft.com/office/mac/drawingml/2011/main" val="1"/>
-            </a:ext>
-          </a:extLst>
-        </p:spPr>
-        <p:txBody>
-          <a:bodyPr lIns="50800" tIns="50800" rIns="50800" bIns="50800" anchor="ctr"/>
-          <a:lstStyle>
-            <a:lvl1pPr defTabSz="825500">
-              <a:defRPr b="1" sz="3700">
-                <a:solidFill>
-                  <a:srgbClr val="000000"/>
-                </a:solidFill>
-              </a:defRPr>
-            </a:lvl1pPr>
-          </a:lstStyle>
-          <a:p>
-            <a:pPr/>
-            <a:r>
-              <a:t>6</a:t>
-            </a:r>
           </a:p>
         </p:txBody>
       </p:sp>
